--- a/ppt 16-9/0232.救主舍命.pptx
+++ b/ppt 16-9/0232.救主舍命.pptx
@@ -5,7 +5,7 @@
     <p:sldMasterId id="2147483648" r:id="rId1"/>
   </p:sldMasterIdLst>
   <p:sldIdLst>
-    <p:sldId id="3060" r:id="rId2"/>
+    <p:sldId id="3061" r:id="rId2"/>
   </p:sldIdLst>
   <p:sldSz cx="12192000" cy="6858000"/>
   <p:notesSz cx="6858000" cy="9144000"/>
@@ -129,7 +129,7 @@
           <p:cNvPr id="2" name="标题 1">
             <a:extLst>
               <a:ext uri="{FF2B5EF4-FFF2-40B4-BE49-F238E27FC236}">
-                <a16:creationId xmlns:a16="http://schemas.microsoft.com/office/drawing/2014/main" id="{667B0C6D-0BF1-F447-9444-7619CC727F76}"/>
+                <a16:creationId xmlns:a16="http://schemas.microsoft.com/office/drawing/2014/main" id="{A647A964-FA10-A20E-C932-E25B5D87AE70}"/>
               </a:ext>
             </a:extLst>
           </p:cNvPr>
@@ -166,7 +166,7 @@
           <p:cNvPr id="3" name="副标题 2">
             <a:extLst>
               <a:ext uri="{FF2B5EF4-FFF2-40B4-BE49-F238E27FC236}">
-                <a16:creationId xmlns:a16="http://schemas.microsoft.com/office/drawing/2014/main" id="{064E0108-3F72-E121-1CEA-2ABD99F84DD9}"/>
+                <a16:creationId xmlns:a16="http://schemas.microsoft.com/office/drawing/2014/main" id="{AB92092A-984F-596E-6600-E3C43954AC48}"/>
               </a:ext>
             </a:extLst>
           </p:cNvPr>
@@ -236,7 +236,7 @@
           <p:cNvPr id="4" name="日期占位符 3">
             <a:extLst>
               <a:ext uri="{FF2B5EF4-FFF2-40B4-BE49-F238E27FC236}">
-                <a16:creationId xmlns:a16="http://schemas.microsoft.com/office/drawing/2014/main" id="{487C945F-5AA1-8AC1-AAC4-C11D42135316}"/>
+                <a16:creationId xmlns:a16="http://schemas.microsoft.com/office/drawing/2014/main" id="{5DE15CB2-4B6F-2396-635A-6F3E7044D6DF}"/>
               </a:ext>
             </a:extLst>
           </p:cNvPr>
@@ -252,7 +252,7 @@
           <a:bodyPr/>
           <a:lstStyle/>
           <a:p>
-            <a:fld id="{8D738A34-382A-4C3F-AF61-DCC5F84D96CA}" type="datetimeFigureOut">
+            <a:fld id="{9FC12441-1497-45C4-99F6-BFD409960617}" type="datetimeFigureOut">
               <a:rPr lang="zh-CN" altLang="en-US" smtClean="0"/>
               <a:t>2024/3/10</a:t>
             </a:fld>
@@ -265,7 +265,7 @@
           <p:cNvPr id="5" name="页脚占位符 4">
             <a:extLst>
               <a:ext uri="{FF2B5EF4-FFF2-40B4-BE49-F238E27FC236}">
-                <a16:creationId xmlns:a16="http://schemas.microsoft.com/office/drawing/2014/main" id="{2493EFBB-4565-1B98-B956-42DE2055C831}"/>
+                <a16:creationId xmlns:a16="http://schemas.microsoft.com/office/drawing/2014/main" id="{54EF4FC7-B353-BF5E-7842-6D589156F500}"/>
               </a:ext>
             </a:extLst>
           </p:cNvPr>
@@ -290,7 +290,7 @@
           <p:cNvPr id="6" name="灯片编号占位符 5">
             <a:extLst>
               <a:ext uri="{FF2B5EF4-FFF2-40B4-BE49-F238E27FC236}">
-                <a16:creationId xmlns:a16="http://schemas.microsoft.com/office/drawing/2014/main" id="{F8811511-E21D-C8B4-AFB3-FA78BD767B90}"/>
+                <a16:creationId xmlns:a16="http://schemas.microsoft.com/office/drawing/2014/main" id="{B982BB86-1E2F-8E14-9BFF-3BE037CDB56D}"/>
               </a:ext>
             </a:extLst>
           </p:cNvPr>
@@ -306,7 +306,7 @@
           <a:bodyPr/>
           <a:lstStyle/>
           <a:p>
-            <a:fld id="{23B05A00-CE1C-4B85-BA4B-C5CB115BB681}" type="slidenum">
+            <a:fld id="{8DDE2339-AEC7-47A2-9EA3-F652BA09265F}" type="slidenum">
               <a:rPr lang="zh-CN" altLang="en-US" smtClean="0"/>
               <a:t>‹#›</a:t>
             </a:fld>
@@ -317,7 +317,7 @@
     </p:spTree>
     <p:extLst>
       <p:ext uri="{BB962C8B-B14F-4D97-AF65-F5344CB8AC3E}">
-        <p14:creationId xmlns:p14="http://schemas.microsoft.com/office/powerpoint/2010/main" val="2775155818"/>
+        <p14:creationId xmlns:p14="http://schemas.microsoft.com/office/powerpoint/2010/main" val="4251509978"/>
       </p:ext>
     </p:extLst>
   </p:cSld>
@@ -349,7 +349,7 @@
           <p:cNvPr id="2" name="标题 1">
             <a:extLst>
               <a:ext uri="{FF2B5EF4-FFF2-40B4-BE49-F238E27FC236}">
-                <a16:creationId xmlns:a16="http://schemas.microsoft.com/office/drawing/2014/main" id="{DAA64F16-D00B-1EA0-43D5-09AE6E013BC1}"/>
+                <a16:creationId xmlns:a16="http://schemas.microsoft.com/office/drawing/2014/main" id="{CDE6DC7E-3DE1-F66C-E60F-28F9E6449F7C}"/>
               </a:ext>
             </a:extLst>
           </p:cNvPr>
@@ -377,7 +377,7 @@
           <p:cNvPr id="3" name="竖排文字占位符 2">
             <a:extLst>
               <a:ext uri="{FF2B5EF4-FFF2-40B4-BE49-F238E27FC236}">
-                <a16:creationId xmlns:a16="http://schemas.microsoft.com/office/drawing/2014/main" id="{DCF42F90-B6F6-8CCA-53F3-F84CFF11CCF1}"/>
+                <a16:creationId xmlns:a16="http://schemas.microsoft.com/office/drawing/2014/main" id="{F2C7C35B-8C2D-D3C0-B3D7-9FC363DF3258}"/>
               </a:ext>
             </a:extLst>
           </p:cNvPr>
@@ -434,7 +434,7 @@
           <p:cNvPr id="4" name="日期占位符 3">
             <a:extLst>
               <a:ext uri="{FF2B5EF4-FFF2-40B4-BE49-F238E27FC236}">
-                <a16:creationId xmlns:a16="http://schemas.microsoft.com/office/drawing/2014/main" id="{22826297-751B-8ECA-F24F-D1CE77A49015}"/>
+                <a16:creationId xmlns:a16="http://schemas.microsoft.com/office/drawing/2014/main" id="{84B1E3A9-66A2-30F7-43A1-D744BEBE7A04}"/>
               </a:ext>
             </a:extLst>
           </p:cNvPr>
@@ -450,7 +450,7 @@
           <a:bodyPr/>
           <a:lstStyle/>
           <a:p>
-            <a:fld id="{8D738A34-382A-4C3F-AF61-DCC5F84D96CA}" type="datetimeFigureOut">
+            <a:fld id="{9FC12441-1497-45C4-99F6-BFD409960617}" type="datetimeFigureOut">
               <a:rPr lang="zh-CN" altLang="en-US" smtClean="0"/>
               <a:t>2024/3/10</a:t>
             </a:fld>
@@ -463,7 +463,7 @@
           <p:cNvPr id="5" name="页脚占位符 4">
             <a:extLst>
               <a:ext uri="{FF2B5EF4-FFF2-40B4-BE49-F238E27FC236}">
-                <a16:creationId xmlns:a16="http://schemas.microsoft.com/office/drawing/2014/main" id="{41AB980E-0173-6899-1A7E-DA4AAB7FDFBF}"/>
+                <a16:creationId xmlns:a16="http://schemas.microsoft.com/office/drawing/2014/main" id="{E96B5147-D7EB-9F04-F4A6-E7B8E26146CE}"/>
               </a:ext>
             </a:extLst>
           </p:cNvPr>
@@ -488,7 +488,7 @@
           <p:cNvPr id="6" name="灯片编号占位符 5">
             <a:extLst>
               <a:ext uri="{FF2B5EF4-FFF2-40B4-BE49-F238E27FC236}">
-                <a16:creationId xmlns:a16="http://schemas.microsoft.com/office/drawing/2014/main" id="{044AD3CA-2C3B-9021-1CC8-6D012695B128}"/>
+                <a16:creationId xmlns:a16="http://schemas.microsoft.com/office/drawing/2014/main" id="{184724ED-396E-A2EA-A791-7CE0E6B6A659}"/>
               </a:ext>
             </a:extLst>
           </p:cNvPr>
@@ -504,7 +504,7 @@
           <a:bodyPr/>
           <a:lstStyle/>
           <a:p>
-            <a:fld id="{23B05A00-CE1C-4B85-BA4B-C5CB115BB681}" type="slidenum">
+            <a:fld id="{8DDE2339-AEC7-47A2-9EA3-F652BA09265F}" type="slidenum">
               <a:rPr lang="zh-CN" altLang="en-US" smtClean="0"/>
               <a:t>‹#›</a:t>
             </a:fld>
@@ -515,7 +515,7 @@
     </p:spTree>
     <p:extLst>
       <p:ext uri="{BB962C8B-B14F-4D97-AF65-F5344CB8AC3E}">
-        <p14:creationId xmlns:p14="http://schemas.microsoft.com/office/powerpoint/2010/main" val="448848045"/>
+        <p14:creationId xmlns:p14="http://schemas.microsoft.com/office/powerpoint/2010/main" val="1982536692"/>
       </p:ext>
     </p:extLst>
   </p:cSld>
@@ -547,7 +547,7 @@
           <p:cNvPr id="2" name="竖排标题 1">
             <a:extLst>
               <a:ext uri="{FF2B5EF4-FFF2-40B4-BE49-F238E27FC236}">
-                <a16:creationId xmlns:a16="http://schemas.microsoft.com/office/drawing/2014/main" id="{BDF01A8F-9177-F7EE-B797-6F8DB720AA81}"/>
+                <a16:creationId xmlns:a16="http://schemas.microsoft.com/office/drawing/2014/main" id="{8F9ABD6E-F267-9C59-843D-919403E235DB}"/>
               </a:ext>
             </a:extLst>
           </p:cNvPr>
@@ -580,7 +580,7 @@
           <p:cNvPr id="3" name="竖排文字占位符 2">
             <a:extLst>
               <a:ext uri="{FF2B5EF4-FFF2-40B4-BE49-F238E27FC236}">
-                <a16:creationId xmlns:a16="http://schemas.microsoft.com/office/drawing/2014/main" id="{A56C7D43-5E43-AFEB-C415-E31CC6A7B0D5}"/>
+                <a16:creationId xmlns:a16="http://schemas.microsoft.com/office/drawing/2014/main" id="{8B604BCA-E988-07E7-8BCA-A7F423178B25}"/>
               </a:ext>
             </a:extLst>
           </p:cNvPr>
@@ -642,7 +642,7 @@
           <p:cNvPr id="4" name="日期占位符 3">
             <a:extLst>
               <a:ext uri="{FF2B5EF4-FFF2-40B4-BE49-F238E27FC236}">
-                <a16:creationId xmlns:a16="http://schemas.microsoft.com/office/drawing/2014/main" id="{7A519C18-F961-6028-22F1-6CA1CFC70A0C}"/>
+                <a16:creationId xmlns:a16="http://schemas.microsoft.com/office/drawing/2014/main" id="{BE14212C-1BEC-5051-FC89-9EF7BE690BF0}"/>
               </a:ext>
             </a:extLst>
           </p:cNvPr>
@@ -658,7 +658,7 @@
           <a:bodyPr/>
           <a:lstStyle/>
           <a:p>
-            <a:fld id="{8D738A34-382A-4C3F-AF61-DCC5F84D96CA}" type="datetimeFigureOut">
+            <a:fld id="{9FC12441-1497-45C4-99F6-BFD409960617}" type="datetimeFigureOut">
               <a:rPr lang="zh-CN" altLang="en-US" smtClean="0"/>
               <a:t>2024/3/10</a:t>
             </a:fld>
@@ -671,7 +671,7 @@
           <p:cNvPr id="5" name="页脚占位符 4">
             <a:extLst>
               <a:ext uri="{FF2B5EF4-FFF2-40B4-BE49-F238E27FC236}">
-                <a16:creationId xmlns:a16="http://schemas.microsoft.com/office/drawing/2014/main" id="{715D39A6-AFAC-439A-5867-22C82E959CEF}"/>
+                <a16:creationId xmlns:a16="http://schemas.microsoft.com/office/drawing/2014/main" id="{089560E4-7C20-AA8B-DA88-DA8286A30384}"/>
               </a:ext>
             </a:extLst>
           </p:cNvPr>
@@ -696,7 +696,7 @@
           <p:cNvPr id="6" name="灯片编号占位符 5">
             <a:extLst>
               <a:ext uri="{FF2B5EF4-FFF2-40B4-BE49-F238E27FC236}">
-                <a16:creationId xmlns:a16="http://schemas.microsoft.com/office/drawing/2014/main" id="{B82E9273-A98A-FAC1-056C-2A512F0032F1}"/>
+                <a16:creationId xmlns:a16="http://schemas.microsoft.com/office/drawing/2014/main" id="{6512AF12-6F0D-2C1F-7476-ED9C460B675C}"/>
               </a:ext>
             </a:extLst>
           </p:cNvPr>
@@ -712,7 +712,7 @@
           <a:bodyPr/>
           <a:lstStyle/>
           <a:p>
-            <a:fld id="{23B05A00-CE1C-4B85-BA4B-C5CB115BB681}" type="slidenum">
+            <a:fld id="{8DDE2339-AEC7-47A2-9EA3-F652BA09265F}" type="slidenum">
               <a:rPr lang="zh-CN" altLang="en-US" smtClean="0"/>
               <a:t>‹#›</a:t>
             </a:fld>
@@ -723,7 +723,7 @@
     </p:spTree>
     <p:extLst>
       <p:ext uri="{BB962C8B-B14F-4D97-AF65-F5344CB8AC3E}">
-        <p14:creationId xmlns:p14="http://schemas.microsoft.com/office/powerpoint/2010/main" val="2883257176"/>
+        <p14:creationId xmlns:p14="http://schemas.microsoft.com/office/powerpoint/2010/main" val="3023795031"/>
       </p:ext>
     </p:extLst>
   </p:cSld>
@@ -755,7 +755,7 @@
           <p:cNvPr id="2" name="标题 1">
             <a:extLst>
               <a:ext uri="{FF2B5EF4-FFF2-40B4-BE49-F238E27FC236}">
-                <a16:creationId xmlns:a16="http://schemas.microsoft.com/office/drawing/2014/main" id="{D4168571-9F85-3696-D260-185D845CBCB2}"/>
+                <a16:creationId xmlns:a16="http://schemas.microsoft.com/office/drawing/2014/main" id="{E23BCF32-11E5-7FA9-03C4-5F238371ECBB}"/>
               </a:ext>
             </a:extLst>
           </p:cNvPr>
@@ -783,7 +783,7 @@
           <p:cNvPr id="3" name="内容占位符 2">
             <a:extLst>
               <a:ext uri="{FF2B5EF4-FFF2-40B4-BE49-F238E27FC236}">
-                <a16:creationId xmlns:a16="http://schemas.microsoft.com/office/drawing/2014/main" id="{61F3B427-8FE6-FC23-8186-78CA086D0756}"/>
+                <a16:creationId xmlns:a16="http://schemas.microsoft.com/office/drawing/2014/main" id="{83FD4596-2186-F666-3D52-534512952217}"/>
               </a:ext>
             </a:extLst>
           </p:cNvPr>
@@ -840,7 +840,7 @@
           <p:cNvPr id="4" name="日期占位符 3">
             <a:extLst>
               <a:ext uri="{FF2B5EF4-FFF2-40B4-BE49-F238E27FC236}">
-                <a16:creationId xmlns:a16="http://schemas.microsoft.com/office/drawing/2014/main" id="{DBD09E06-3B8B-B92B-A7D9-BAF2CBBC9C17}"/>
+                <a16:creationId xmlns:a16="http://schemas.microsoft.com/office/drawing/2014/main" id="{3658D95E-4D9A-420F-E5FC-EF7A0F2F366F}"/>
               </a:ext>
             </a:extLst>
           </p:cNvPr>
@@ -856,7 +856,7 @@
           <a:bodyPr/>
           <a:lstStyle/>
           <a:p>
-            <a:fld id="{8D738A34-382A-4C3F-AF61-DCC5F84D96CA}" type="datetimeFigureOut">
+            <a:fld id="{9FC12441-1497-45C4-99F6-BFD409960617}" type="datetimeFigureOut">
               <a:rPr lang="zh-CN" altLang="en-US" smtClean="0"/>
               <a:t>2024/3/10</a:t>
             </a:fld>
@@ -869,7 +869,7 @@
           <p:cNvPr id="5" name="页脚占位符 4">
             <a:extLst>
               <a:ext uri="{FF2B5EF4-FFF2-40B4-BE49-F238E27FC236}">
-                <a16:creationId xmlns:a16="http://schemas.microsoft.com/office/drawing/2014/main" id="{66E5DCC2-66FB-D93A-716C-0263F69FA247}"/>
+                <a16:creationId xmlns:a16="http://schemas.microsoft.com/office/drawing/2014/main" id="{A3DC4031-CEBF-D7D7-0500-A2304BADF666}"/>
               </a:ext>
             </a:extLst>
           </p:cNvPr>
@@ -894,7 +894,7 @@
           <p:cNvPr id="6" name="灯片编号占位符 5">
             <a:extLst>
               <a:ext uri="{FF2B5EF4-FFF2-40B4-BE49-F238E27FC236}">
-                <a16:creationId xmlns:a16="http://schemas.microsoft.com/office/drawing/2014/main" id="{590C6787-3205-64BF-D04D-47A27166D82E}"/>
+                <a16:creationId xmlns:a16="http://schemas.microsoft.com/office/drawing/2014/main" id="{C288B208-3EFA-F69D-94D4-F99F55E5D7D9}"/>
               </a:ext>
             </a:extLst>
           </p:cNvPr>
@@ -910,7 +910,7 @@
           <a:bodyPr/>
           <a:lstStyle/>
           <a:p>
-            <a:fld id="{23B05A00-CE1C-4B85-BA4B-C5CB115BB681}" type="slidenum">
+            <a:fld id="{8DDE2339-AEC7-47A2-9EA3-F652BA09265F}" type="slidenum">
               <a:rPr lang="zh-CN" altLang="en-US" smtClean="0"/>
               <a:t>‹#›</a:t>
             </a:fld>
@@ -921,7 +921,7 @@
     </p:spTree>
     <p:extLst>
       <p:ext uri="{BB962C8B-B14F-4D97-AF65-F5344CB8AC3E}">
-        <p14:creationId xmlns:p14="http://schemas.microsoft.com/office/powerpoint/2010/main" val="1001414363"/>
+        <p14:creationId xmlns:p14="http://schemas.microsoft.com/office/powerpoint/2010/main" val="298323226"/>
       </p:ext>
     </p:extLst>
   </p:cSld>
@@ -953,7 +953,7 @@
           <p:cNvPr id="2" name="标题 1">
             <a:extLst>
               <a:ext uri="{FF2B5EF4-FFF2-40B4-BE49-F238E27FC236}">
-                <a16:creationId xmlns:a16="http://schemas.microsoft.com/office/drawing/2014/main" id="{DA134C84-A0C7-892A-2A05-7F98C3C0D2E7}"/>
+                <a16:creationId xmlns:a16="http://schemas.microsoft.com/office/drawing/2014/main" id="{C7C2EBCF-06CA-2CAB-BD11-30F3FBDA90E7}"/>
               </a:ext>
             </a:extLst>
           </p:cNvPr>
@@ -990,7 +990,7 @@
           <p:cNvPr id="3" name="文本占位符 2">
             <a:extLst>
               <a:ext uri="{FF2B5EF4-FFF2-40B4-BE49-F238E27FC236}">
-                <a16:creationId xmlns:a16="http://schemas.microsoft.com/office/drawing/2014/main" id="{92005ED6-4726-1E79-926F-7AE3193D05D8}"/>
+                <a16:creationId xmlns:a16="http://schemas.microsoft.com/office/drawing/2014/main" id="{13108185-ED57-1C5B-557C-2DF37481E9F8}"/>
               </a:ext>
             </a:extLst>
           </p:cNvPr>
@@ -1115,7 +1115,7 @@
           <p:cNvPr id="4" name="日期占位符 3">
             <a:extLst>
               <a:ext uri="{FF2B5EF4-FFF2-40B4-BE49-F238E27FC236}">
-                <a16:creationId xmlns:a16="http://schemas.microsoft.com/office/drawing/2014/main" id="{67550B55-4FEA-7F93-22D6-995F1F5C28B8}"/>
+                <a16:creationId xmlns:a16="http://schemas.microsoft.com/office/drawing/2014/main" id="{B67C0C47-704D-8ABB-9E6D-B303CF85B6AC}"/>
               </a:ext>
             </a:extLst>
           </p:cNvPr>
@@ -1131,7 +1131,7 @@
           <a:bodyPr/>
           <a:lstStyle/>
           <a:p>
-            <a:fld id="{8D738A34-382A-4C3F-AF61-DCC5F84D96CA}" type="datetimeFigureOut">
+            <a:fld id="{9FC12441-1497-45C4-99F6-BFD409960617}" type="datetimeFigureOut">
               <a:rPr lang="zh-CN" altLang="en-US" smtClean="0"/>
               <a:t>2024/3/10</a:t>
             </a:fld>
@@ -1144,7 +1144,7 @@
           <p:cNvPr id="5" name="页脚占位符 4">
             <a:extLst>
               <a:ext uri="{FF2B5EF4-FFF2-40B4-BE49-F238E27FC236}">
-                <a16:creationId xmlns:a16="http://schemas.microsoft.com/office/drawing/2014/main" id="{58C2D8D2-6223-7487-5B56-77AC059B0304}"/>
+                <a16:creationId xmlns:a16="http://schemas.microsoft.com/office/drawing/2014/main" id="{00E625E3-ECA0-AA6F-8DD8-AC827A1A9511}"/>
               </a:ext>
             </a:extLst>
           </p:cNvPr>
@@ -1169,7 +1169,7 @@
           <p:cNvPr id="6" name="灯片编号占位符 5">
             <a:extLst>
               <a:ext uri="{FF2B5EF4-FFF2-40B4-BE49-F238E27FC236}">
-                <a16:creationId xmlns:a16="http://schemas.microsoft.com/office/drawing/2014/main" id="{390DA895-91B7-8C7B-8E76-E7935A6BDCF5}"/>
+                <a16:creationId xmlns:a16="http://schemas.microsoft.com/office/drawing/2014/main" id="{29446590-6841-2224-D0AF-1129C4D0D3CF}"/>
               </a:ext>
             </a:extLst>
           </p:cNvPr>
@@ -1185,7 +1185,7 @@
           <a:bodyPr/>
           <a:lstStyle/>
           <a:p>
-            <a:fld id="{23B05A00-CE1C-4B85-BA4B-C5CB115BB681}" type="slidenum">
+            <a:fld id="{8DDE2339-AEC7-47A2-9EA3-F652BA09265F}" type="slidenum">
               <a:rPr lang="zh-CN" altLang="en-US" smtClean="0"/>
               <a:t>‹#›</a:t>
             </a:fld>
@@ -1196,7 +1196,7 @@
     </p:spTree>
     <p:extLst>
       <p:ext uri="{BB962C8B-B14F-4D97-AF65-F5344CB8AC3E}">
-        <p14:creationId xmlns:p14="http://schemas.microsoft.com/office/powerpoint/2010/main" val="421291718"/>
+        <p14:creationId xmlns:p14="http://schemas.microsoft.com/office/powerpoint/2010/main" val="1931712477"/>
       </p:ext>
     </p:extLst>
   </p:cSld>
@@ -1228,7 +1228,7 @@
           <p:cNvPr id="2" name="标题 1">
             <a:extLst>
               <a:ext uri="{FF2B5EF4-FFF2-40B4-BE49-F238E27FC236}">
-                <a16:creationId xmlns:a16="http://schemas.microsoft.com/office/drawing/2014/main" id="{8B951ACE-7EB6-AF41-6463-3B9A7A3FE801}"/>
+                <a16:creationId xmlns:a16="http://schemas.microsoft.com/office/drawing/2014/main" id="{067D2CC2-5D45-7E25-E6FA-15382964054B}"/>
               </a:ext>
             </a:extLst>
           </p:cNvPr>
@@ -1256,7 +1256,7 @@
           <p:cNvPr id="3" name="内容占位符 2">
             <a:extLst>
               <a:ext uri="{FF2B5EF4-FFF2-40B4-BE49-F238E27FC236}">
-                <a16:creationId xmlns:a16="http://schemas.microsoft.com/office/drawing/2014/main" id="{5C1AA651-8508-25EA-C165-556C4470E0C4}"/>
+                <a16:creationId xmlns:a16="http://schemas.microsoft.com/office/drawing/2014/main" id="{16BBD5A9-7307-587C-401C-A94B062B5106}"/>
               </a:ext>
             </a:extLst>
           </p:cNvPr>
@@ -1318,7 +1318,7 @@
           <p:cNvPr id="4" name="内容占位符 3">
             <a:extLst>
               <a:ext uri="{FF2B5EF4-FFF2-40B4-BE49-F238E27FC236}">
-                <a16:creationId xmlns:a16="http://schemas.microsoft.com/office/drawing/2014/main" id="{292D601E-F2BD-71D1-656C-BD056E90DB1D}"/>
+                <a16:creationId xmlns:a16="http://schemas.microsoft.com/office/drawing/2014/main" id="{FCDB2AAA-4D16-5D29-7B7F-DA91313C388B}"/>
               </a:ext>
             </a:extLst>
           </p:cNvPr>
@@ -1380,7 +1380,7 @@
           <p:cNvPr id="5" name="日期占位符 4">
             <a:extLst>
               <a:ext uri="{FF2B5EF4-FFF2-40B4-BE49-F238E27FC236}">
-                <a16:creationId xmlns:a16="http://schemas.microsoft.com/office/drawing/2014/main" id="{2E2EAA6E-248D-C8D1-4CCB-27BA99F63710}"/>
+                <a16:creationId xmlns:a16="http://schemas.microsoft.com/office/drawing/2014/main" id="{7A821E1B-44ED-C05A-783A-B955DC4BD38F}"/>
               </a:ext>
             </a:extLst>
           </p:cNvPr>
@@ -1396,7 +1396,7 @@
           <a:bodyPr/>
           <a:lstStyle/>
           <a:p>
-            <a:fld id="{8D738A34-382A-4C3F-AF61-DCC5F84D96CA}" type="datetimeFigureOut">
+            <a:fld id="{9FC12441-1497-45C4-99F6-BFD409960617}" type="datetimeFigureOut">
               <a:rPr lang="zh-CN" altLang="en-US" smtClean="0"/>
               <a:t>2024/3/10</a:t>
             </a:fld>
@@ -1409,7 +1409,7 @@
           <p:cNvPr id="6" name="页脚占位符 5">
             <a:extLst>
               <a:ext uri="{FF2B5EF4-FFF2-40B4-BE49-F238E27FC236}">
-                <a16:creationId xmlns:a16="http://schemas.microsoft.com/office/drawing/2014/main" id="{7C0105D1-C88B-76E6-BA50-A444324892D9}"/>
+                <a16:creationId xmlns:a16="http://schemas.microsoft.com/office/drawing/2014/main" id="{5D8B9C6E-F4E1-3B6B-B886-58282B0073A2}"/>
               </a:ext>
             </a:extLst>
           </p:cNvPr>
@@ -1434,7 +1434,7 @@
           <p:cNvPr id="7" name="灯片编号占位符 6">
             <a:extLst>
               <a:ext uri="{FF2B5EF4-FFF2-40B4-BE49-F238E27FC236}">
-                <a16:creationId xmlns:a16="http://schemas.microsoft.com/office/drawing/2014/main" id="{EED47A6B-6BB2-F07C-083C-1D1242F4E246}"/>
+                <a16:creationId xmlns:a16="http://schemas.microsoft.com/office/drawing/2014/main" id="{EAB11E26-4ABF-9442-9723-AE1C2335F2E7}"/>
               </a:ext>
             </a:extLst>
           </p:cNvPr>
@@ -1450,7 +1450,7 @@
           <a:bodyPr/>
           <a:lstStyle/>
           <a:p>
-            <a:fld id="{23B05A00-CE1C-4B85-BA4B-C5CB115BB681}" type="slidenum">
+            <a:fld id="{8DDE2339-AEC7-47A2-9EA3-F652BA09265F}" type="slidenum">
               <a:rPr lang="zh-CN" altLang="en-US" smtClean="0"/>
               <a:t>‹#›</a:t>
             </a:fld>
@@ -1461,7 +1461,7 @@
     </p:spTree>
     <p:extLst>
       <p:ext uri="{BB962C8B-B14F-4D97-AF65-F5344CB8AC3E}">
-        <p14:creationId xmlns:p14="http://schemas.microsoft.com/office/powerpoint/2010/main" val="358888954"/>
+        <p14:creationId xmlns:p14="http://schemas.microsoft.com/office/powerpoint/2010/main" val="3829156392"/>
       </p:ext>
     </p:extLst>
   </p:cSld>
@@ -1493,7 +1493,7 @@
           <p:cNvPr id="2" name="标题 1">
             <a:extLst>
               <a:ext uri="{FF2B5EF4-FFF2-40B4-BE49-F238E27FC236}">
-                <a16:creationId xmlns:a16="http://schemas.microsoft.com/office/drawing/2014/main" id="{97C46D0A-CC60-15E3-52F3-2E2A186E90AA}"/>
+                <a16:creationId xmlns:a16="http://schemas.microsoft.com/office/drawing/2014/main" id="{91B51295-5F36-79DC-7198-9E4C8E3D1642}"/>
               </a:ext>
             </a:extLst>
           </p:cNvPr>
@@ -1526,7 +1526,7 @@
           <p:cNvPr id="3" name="文本占位符 2">
             <a:extLst>
               <a:ext uri="{FF2B5EF4-FFF2-40B4-BE49-F238E27FC236}">
-                <a16:creationId xmlns:a16="http://schemas.microsoft.com/office/drawing/2014/main" id="{B6291CC4-99AF-28E7-2D8E-54A8ED5C4E10}"/>
+                <a16:creationId xmlns:a16="http://schemas.microsoft.com/office/drawing/2014/main" id="{53A724D7-8FD1-80A1-21A7-A61D7C100C2D}"/>
               </a:ext>
             </a:extLst>
           </p:cNvPr>
@@ -1597,7 +1597,7 @@
           <p:cNvPr id="4" name="内容占位符 3">
             <a:extLst>
               <a:ext uri="{FF2B5EF4-FFF2-40B4-BE49-F238E27FC236}">
-                <a16:creationId xmlns:a16="http://schemas.microsoft.com/office/drawing/2014/main" id="{BA6F6234-D1A4-2C9C-21DF-6D1008AB08CA}"/>
+                <a16:creationId xmlns:a16="http://schemas.microsoft.com/office/drawing/2014/main" id="{38C48046-7A37-E168-49C9-B63CC353FD0C}"/>
               </a:ext>
             </a:extLst>
           </p:cNvPr>
@@ -1659,7 +1659,7 @@
           <p:cNvPr id="5" name="文本占位符 4">
             <a:extLst>
               <a:ext uri="{FF2B5EF4-FFF2-40B4-BE49-F238E27FC236}">
-                <a16:creationId xmlns:a16="http://schemas.microsoft.com/office/drawing/2014/main" id="{3FEBCFAE-FED4-558F-0564-2B8385E0A4A7}"/>
+                <a16:creationId xmlns:a16="http://schemas.microsoft.com/office/drawing/2014/main" id="{D180ADA2-48B1-D473-FA31-0E9A08B611AA}"/>
               </a:ext>
             </a:extLst>
           </p:cNvPr>
@@ -1730,7 +1730,7 @@
           <p:cNvPr id="6" name="内容占位符 5">
             <a:extLst>
               <a:ext uri="{FF2B5EF4-FFF2-40B4-BE49-F238E27FC236}">
-                <a16:creationId xmlns:a16="http://schemas.microsoft.com/office/drawing/2014/main" id="{D569ECEB-96CD-74D4-865C-A3F2DBA51AEF}"/>
+                <a16:creationId xmlns:a16="http://schemas.microsoft.com/office/drawing/2014/main" id="{5D2ABF89-58E2-9F5A-0DBD-9D2B8A9D5900}"/>
               </a:ext>
             </a:extLst>
           </p:cNvPr>
@@ -1792,7 +1792,7 @@
           <p:cNvPr id="7" name="日期占位符 6">
             <a:extLst>
               <a:ext uri="{FF2B5EF4-FFF2-40B4-BE49-F238E27FC236}">
-                <a16:creationId xmlns:a16="http://schemas.microsoft.com/office/drawing/2014/main" id="{ADC7F2A5-AF66-9765-2E02-8EB435233A87}"/>
+                <a16:creationId xmlns:a16="http://schemas.microsoft.com/office/drawing/2014/main" id="{A52D3749-9570-11C3-0235-F144550D4E92}"/>
               </a:ext>
             </a:extLst>
           </p:cNvPr>
@@ -1808,7 +1808,7 @@
           <a:bodyPr/>
           <a:lstStyle/>
           <a:p>
-            <a:fld id="{8D738A34-382A-4C3F-AF61-DCC5F84D96CA}" type="datetimeFigureOut">
+            <a:fld id="{9FC12441-1497-45C4-99F6-BFD409960617}" type="datetimeFigureOut">
               <a:rPr lang="zh-CN" altLang="en-US" smtClean="0"/>
               <a:t>2024/3/10</a:t>
             </a:fld>
@@ -1821,7 +1821,7 @@
           <p:cNvPr id="8" name="页脚占位符 7">
             <a:extLst>
               <a:ext uri="{FF2B5EF4-FFF2-40B4-BE49-F238E27FC236}">
-                <a16:creationId xmlns:a16="http://schemas.microsoft.com/office/drawing/2014/main" id="{B5C198E2-95E9-6343-060B-D858480D7599}"/>
+                <a16:creationId xmlns:a16="http://schemas.microsoft.com/office/drawing/2014/main" id="{3369A90E-C7A2-D89A-3E53-B19D3DF178A6}"/>
               </a:ext>
             </a:extLst>
           </p:cNvPr>
@@ -1846,7 +1846,7 @@
           <p:cNvPr id="9" name="灯片编号占位符 8">
             <a:extLst>
               <a:ext uri="{FF2B5EF4-FFF2-40B4-BE49-F238E27FC236}">
-                <a16:creationId xmlns:a16="http://schemas.microsoft.com/office/drawing/2014/main" id="{7404E8C6-8E28-BCD5-89A4-5C11F9107DF6}"/>
+                <a16:creationId xmlns:a16="http://schemas.microsoft.com/office/drawing/2014/main" id="{1C88B4D1-68B5-EED9-0F14-23932420EE33}"/>
               </a:ext>
             </a:extLst>
           </p:cNvPr>
@@ -1862,7 +1862,7 @@
           <a:bodyPr/>
           <a:lstStyle/>
           <a:p>
-            <a:fld id="{23B05A00-CE1C-4B85-BA4B-C5CB115BB681}" type="slidenum">
+            <a:fld id="{8DDE2339-AEC7-47A2-9EA3-F652BA09265F}" type="slidenum">
               <a:rPr lang="zh-CN" altLang="en-US" smtClean="0"/>
               <a:t>‹#›</a:t>
             </a:fld>
@@ -1873,7 +1873,7 @@
     </p:spTree>
     <p:extLst>
       <p:ext uri="{BB962C8B-B14F-4D97-AF65-F5344CB8AC3E}">
-        <p14:creationId xmlns:p14="http://schemas.microsoft.com/office/powerpoint/2010/main" val="422762907"/>
+        <p14:creationId xmlns:p14="http://schemas.microsoft.com/office/powerpoint/2010/main" val="1684526249"/>
       </p:ext>
     </p:extLst>
   </p:cSld>
@@ -1905,7 +1905,7 @@
           <p:cNvPr id="2" name="标题 1">
             <a:extLst>
               <a:ext uri="{FF2B5EF4-FFF2-40B4-BE49-F238E27FC236}">
-                <a16:creationId xmlns:a16="http://schemas.microsoft.com/office/drawing/2014/main" id="{6519FC59-B673-C645-5515-A88E5A966696}"/>
+                <a16:creationId xmlns:a16="http://schemas.microsoft.com/office/drawing/2014/main" id="{73D3E51B-520E-1B4A-6B62-C28582EC18FE}"/>
               </a:ext>
             </a:extLst>
           </p:cNvPr>
@@ -1933,7 +1933,7 @@
           <p:cNvPr id="3" name="日期占位符 2">
             <a:extLst>
               <a:ext uri="{FF2B5EF4-FFF2-40B4-BE49-F238E27FC236}">
-                <a16:creationId xmlns:a16="http://schemas.microsoft.com/office/drawing/2014/main" id="{B311AF0E-23CF-FCF6-406E-3FBC75C4ACD7}"/>
+                <a16:creationId xmlns:a16="http://schemas.microsoft.com/office/drawing/2014/main" id="{6B70E70A-B29E-C75E-A84C-A7519D5B33DF}"/>
               </a:ext>
             </a:extLst>
           </p:cNvPr>
@@ -1949,7 +1949,7 @@
           <a:bodyPr/>
           <a:lstStyle/>
           <a:p>
-            <a:fld id="{8D738A34-382A-4C3F-AF61-DCC5F84D96CA}" type="datetimeFigureOut">
+            <a:fld id="{9FC12441-1497-45C4-99F6-BFD409960617}" type="datetimeFigureOut">
               <a:rPr lang="zh-CN" altLang="en-US" smtClean="0"/>
               <a:t>2024/3/10</a:t>
             </a:fld>
@@ -1962,7 +1962,7 @@
           <p:cNvPr id="4" name="页脚占位符 3">
             <a:extLst>
               <a:ext uri="{FF2B5EF4-FFF2-40B4-BE49-F238E27FC236}">
-                <a16:creationId xmlns:a16="http://schemas.microsoft.com/office/drawing/2014/main" id="{55C8BB30-BB5D-CDA0-29BA-AC0030A902CC}"/>
+                <a16:creationId xmlns:a16="http://schemas.microsoft.com/office/drawing/2014/main" id="{A386BDEC-9033-E2AE-406C-0E7DA8A1A579}"/>
               </a:ext>
             </a:extLst>
           </p:cNvPr>
@@ -1987,7 +1987,7 @@
           <p:cNvPr id="5" name="灯片编号占位符 4">
             <a:extLst>
               <a:ext uri="{FF2B5EF4-FFF2-40B4-BE49-F238E27FC236}">
-                <a16:creationId xmlns:a16="http://schemas.microsoft.com/office/drawing/2014/main" id="{0BD1C681-2AE4-3CFE-080D-586E4AF97ACD}"/>
+                <a16:creationId xmlns:a16="http://schemas.microsoft.com/office/drawing/2014/main" id="{39F4DAF9-23BC-BCCC-A5DC-B12642005850}"/>
               </a:ext>
             </a:extLst>
           </p:cNvPr>
@@ -2003,7 +2003,7 @@
           <a:bodyPr/>
           <a:lstStyle/>
           <a:p>
-            <a:fld id="{23B05A00-CE1C-4B85-BA4B-C5CB115BB681}" type="slidenum">
+            <a:fld id="{8DDE2339-AEC7-47A2-9EA3-F652BA09265F}" type="slidenum">
               <a:rPr lang="zh-CN" altLang="en-US" smtClean="0"/>
               <a:t>‹#›</a:t>
             </a:fld>
@@ -2014,7 +2014,7 @@
     </p:spTree>
     <p:extLst>
       <p:ext uri="{BB962C8B-B14F-4D97-AF65-F5344CB8AC3E}">
-        <p14:creationId xmlns:p14="http://schemas.microsoft.com/office/powerpoint/2010/main" val="3958602838"/>
+        <p14:creationId xmlns:p14="http://schemas.microsoft.com/office/powerpoint/2010/main" val="15693569"/>
       </p:ext>
     </p:extLst>
   </p:cSld>
@@ -2046,7 +2046,7 @@
           <p:cNvPr id="2" name="日期占位符 1">
             <a:extLst>
               <a:ext uri="{FF2B5EF4-FFF2-40B4-BE49-F238E27FC236}">
-                <a16:creationId xmlns:a16="http://schemas.microsoft.com/office/drawing/2014/main" id="{0B3BF488-6B54-E168-4DDF-455AC517DE8B}"/>
+                <a16:creationId xmlns:a16="http://schemas.microsoft.com/office/drawing/2014/main" id="{4361BDD0-9468-0CCD-6CF3-7744479EA4AC}"/>
               </a:ext>
             </a:extLst>
           </p:cNvPr>
@@ -2062,7 +2062,7 @@
           <a:bodyPr/>
           <a:lstStyle/>
           <a:p>
-            <a:fld id="{8D738A34-382A-4C3F-AF61-DCC5F84D96CA}" type="datetimeFigureOut">
+            <a:fld id="{9FC12441-1497-45C4-99F6-BFD409960617}" type="datetimeFigureOut">
               <a:rPr lang="zh-CN" altLang="en-US" smtClean="0"/>
               <a:t>2024/3/10</a:t>
             </a:fld>
@@ -2075,7 +2075,7 @@
           <p:cNvPr id="3" name="页脚占位符 2">
             <a:extLst>
               <a:ext uri="{FF2B5EF4-FFF2-40B4-BE49-F238E27FC236}">
-                <a16:creationId xmlns:a16="http://schemas.microsoft.com/office/drawing/2014/main" id="{C34C31B2-A5BA-DF04-DD85-2BE4C53762A0}"/>
+                <a16:creationId xmlns:a16="http://schemas.microsoft.com/office/drawing/2014/main" id="{B6182ECC-A457-AA8E-6AFA-F1448746BA0E}"/>
               </a:ext>
             </a:extLst>
           </p:cNvPr>
@@ -2100,7 +2100,7 @@
           <p:cNvPr id="4" name="灯片编号占位符 3">
             <a:extLst>
               <a:ext uri="{FF2B5EF4-FFF2-40B4-BE49-F238E27FC236}">
-                <a16:creationId xmlns:a16="http://schemas.microsoft.com/office/drawing/2014/main" id="{A35315BD-5D74-7600-2DF0-64655F1707EC}"/>
+                <a16:creationId xmlns:a16="http://schemas.microsoft.com/office/drawing/2014/main" id="{B4FE2A52-29D3-2A55-A9C6-06017F51782A}"/>
               </a:ext>
             </a:extLst>
           </p:cNvPr>
@@ -2116,7 +2116,7 @@
           <a:bodyPr/>
           <a:lstStyle/>
           <a:p>
-            <a:fld id="{23B05A00-CE1C-4B85-BA4B-C5CB115BB681}" type="slidenum">
+            <a:fld id="{8DDE2339-AEC7-47A2-9EA3-F652BA09265F}" type="slidenum">
               <a:rPr lang="zh-CN" altLang="en-US" smtClean="0"/>
               <a:t>‹#›</a:t>
             </a:fld>
@@ -2127,7 +2127,7 @@
     </p:spTree>
     <p:extLst>
       <p:ext uri="{BB962C8B-B14F-4D97-AF65-F5344CB8AC3E}">
-        <p14:creationId xmlns:p14="http://schemas.microsoft.com/office/powerpoint/2010/main" val="1749407936"/>
+        <p14:creationId xmlns:p14="http://schemas.microsoft.com/office/powerpoint/2010/main" val="3301188095"/>
       </p:ext>
     </p:extLst>
   </p:cSld>
@@ -2159,7 +2159,7 @@
           <p:cNvPr id="2" name="标题 1">
             <a:extLst>
               <a:ext uri="{FF2B5EF4-FFF2-40B4-BE49-F238E27FC236}">
-                <a16:creationId xmlns:a16="http://schemas.microsoft.com/office/drawing/2014/main" id="{6D67911B-FAE2-29DF-6AA7-34210BCB1686}"/>
+                <a16:creationId xmlns:a16="http://schemas.microsoft.com/office/drawing/2014/main" id="{569A0386-9F74-25EE-2CAF-7077E7A26741}"/>
               </a:ext>
             </a:extLst>
           </p:cNvPr>
@@ -2196,7 +2196,7 @@
           <p:cNvPr id="3" name="内容占位符 2">
             <a:extLst>
               <a:ext uri="{FF2B5EF4-FFF2-40B4-BE49-F238E27FC236}">
-                <a16:creationId xmlns:a16="http://schemas.microsoft.com/office/drawing/2014/main" id="{B717F706-9942-17A9-3DE3-05AA5D5333BF}"/>
+                <a16:creationId xmlns:a16="http://schemas.microsoft.com/office/drawing/2014/main" id="{A26080E2-47A0-0DFB-FEA4-FF88CA96485B}"/>
               </a:ext>
             </a:extLst>
           </p:cNvPr>
@@ -2286,7 +2286,7 @@
           <p:cNvPr id="4" name="文本占位符 3">
             <a:extLst>
               <a:ext uri="{FF2B5EF4-FFF2-40B4-BE49-F238E27FC236}">
-                <a16:creationId xmlns:a16="http://schemas.microsoft.com/office/drawing/2014/main" id="{45A10844-5590-3BB5-7F0A-FDA61E8D7EED}"/>
+                <a16:creationId xmlns:a16="http://schemas.microsoft.com/office/drawing/2014/main" id="{B042E8FC-7A75-6045-837C-4F592772C8BA}"/>
               </a:ext>
             </a:extLst>
           </p:cNvPr>
@@ -2357,7 +2357,7 @@
           <p:cNvPr id="5" name="日期占位符 4">
             <a:extLst>
               <a:ext uri="{FF2B5EF4-FFF2-40B4-BE49-F238E27FC236}">
-                <a16:creationId xmlns:a16="http://schemas.microsoft.com/office/drawing/2014/main" id="{4607A3D3-E380-5806-0A69-CCC4824A8E4A}"/>
+                <a16:creationId xmlns:a16="http://schemas.microsoft.com/office/drawing/2014/main" id="{C5D21C58-EBCA-9EC7-EAC8-90835944F2C0}"/>
               </a:ext>
             </a:extLst>
           </p:cNvPr>
@@ -2373,7 +2373,7 @@
           <a:bodyPr/>
           <a:lstStyle/>
           <a:p>
-            <a:fld id="{8D738A34-382A-4C3F-AF61-DCC5F84D96CA}" type="datetimeFigureOut">
+            <a:fld id="{9FC12441-1497-45C4-99F6-BFD409960617}" type="datetimeFigureOut">
               <a:rPr lang="zh-CN" altLang="en-US" smtClean="0"/>
               <a:t>2024/3/10</a:t>
             </a:fld>
@@ -2386,7 +2386,7 @@
           <p:cNvPr id="6" name="页脚占位符 5">
             <a:extLst>
               <a:ext uri="{FF2B5EF4-FFF2-40B4-BE49-F238E27FC236}">
-                <a16:creationId xmlns:a16="http://schemas.microsoft.com/office/drawing/2014/main" id="{BF666787-42B4-2408-C1F6-6A0DF6F08885}"/>
+                <a16:creationId xmlns:a16="http://schemas.microsoft.com/office/drawing/2014/main" id="{365D58A1-8CDB-62E0-0AB3-BE92C06F9320}"/>
               </a:ext>
             </a:extLst>
           </p:cNvPr>
@@ -2411,7 +2411,7 @@
           <p:cNvPr id="7" name="灯片编号占位符 6">
             <a:extLst>
               <a:ext uri="{FF2B5EF4-FFF2-40B4-BE49-F238E27FC236}">
-                <a16:creationId xmlns:a16="http://schemas.microsoft.com/office/drawing/2014/main" id="{294F5511-3D34-E56B-15A2-939891B8197F}"/>
+                <a16:creationId xmlns:a16="http://schemas.microsoft.com/office/drawing/2014/main" id="{F67C8AD4-89CD-F067-4594-6467884EC23D}"/>
               </a:ext>
             </a:extLst>
           </p:cNvPr>
@@ -2427,7 +2427,7 @@
           <a:bodyPr/>
           <a:lstStyle/>
           <a:p>
-            <a:fld id="{23B05A00-CE1C-4B85-BA4B-C5CB115BB681}" type="slidenum">
+            <a:fld id="{8DDE2339-AEC7-47A2-9EA3-F652BA09265F}" type="slidenum">
               <a:rPr lang="zh-CN" altLang="en-US" smtClean="0"/>
               <a:t>‹#›</a:t>
             </a:fld>
@@ -2438,7 +2438,7 @@
     </p:spTree>
     <p:extLst>
       <p:ext uri="{BB962C8B-B14F-4D97-AF65-F5344CB8AC3E}">
-        <p14:creationId xmlns:p14="http://schemas.microsoft.com/office/powerpoint/2010/main" val="1490010200"/>
+        <p14:creationId xmlns:p14="http://schemas.microsoft.com/office/powerpoint/2010/main" val="854061687"/>
       </p:ext>
     </p:extLst>
   </p:cSld>
@@ -2470,7 +2470,7 @@
           <p:cNvPr id="2" name="标题 1">
             <a:extLst>
               <a:ext uri="{FF2B5EF4-FFF2-40B4-BE49-F238E27FC236}">
-                <a16:creationId xmlns:a16="http://schemas.microsoft.com/office/drawing/2014/main" id="{32AAE34C-F7E6-4431-F29D-4114EE961F6E}"/>
+                <a16:creationId xmlns:a16="http://schemas.microsoft.com/office/drawing/2014/main" id="{AC50CFD6-9575-34D9-3D4B-44BAB5A92CA3}"/>
               </a:ext>
             </a:extLst>
           </p:cNvPr>
@@ -2507,7 +2507,7 @@
           <p:cNvPr id="3" name="图片占位符 2">
             <a:extLst>
               <a:ext uri="{FF2B5EF4-FFF2-40B4-BE49-F238E27FC236}">
-                <a16:creationId xmlns:a16="http://schemas.microsoft.com/office/drawing/2014/main" id="{BE9784BC-05E0-D6DF-187E-A3C23544D327}"/>
+                <a16:creationId xmlns:a16="http://schemas.microsoft.com/office/drawing/2014/main" id="{F58DE181-D1A5-A6E6-C643-9EE5745326D6}"/>
               </a:ext>
             </a:extLst>
           </p:cNvPr>
@@ -2574,7 +2574,7 @@
           <p:cNvPr id="4" name="文本占位符 3">
             <a:extLst>
               <a:ext uri="{FF2B5EF4-FFF2-40B4-BE49-F238E27FC236}">
-                <a16:creationId xmlns:a16="http://schemas.microsoft.com/office/drawing/2014/main" id="{C8560B1F-325F-F22A-716F-4A2D6507D4D6}"/>
+                <a16:creationId xmlns:a16="http://schemas.microsoft.com/office/drawing/2014/main" id="{9B977333-9B43-1447-88E9-4745AC5DC21C}"/>
               </a:ext>
             </a:extLst>
           </p:cNvPr>
@@ -2645,7 +2645,7 @@
           <p:cNvPr id="5" name="日期占位符 4">
             <a:extLst>
               <a:ext uri="{FF2B5EF4-FFF2-40B4-BE49-F238E27FC236}">
-                <a16:creationId xmlns:a16="http://schemas.microsoft.com/office/drawing/2014/main" id="{D1DD3369-AA87-5837-A901-A1BE9D8BE25E}"/>
+                <a16:creationId xmlns:a16="http://schemas.microsoft.com/office/drawing/2014/main" id="{C1513DC2-B7E9-869B-EDF0-16BB16550749}"/>
               </a:ext>
             </a:extLst>
           </p:cNvPr>
@@ -2661,7 +2661,7 @@
           <a:bodyPr/>
           <a:lstStyle/>
           <a:p>
-            <a:fld id="{8D738A34-382A-4C3F-AF61-DCC5F84D96CA}" type="datetimeFigureOut">
+            <a:fld id="{9FC12441-1497-45C4-99F6-BFD409960617}" type="datetimeFigureOut">
               <a:rPr lang="zh-CN" altLang="en-US" smtClean="0"/>
               <a:t>2024/3/10</a:t>
             </a:fld>
@@ -2674,7 +2674,7 @@
           <p:cNvPr id="6" name="页脚占位符 5">
             <a:extLst>
               <a:ext uri="{FF2B5EF4-FFF2-40B4-BE49-F238E27FC236}">
-                <a16:creationId xmlns:a16="http://schemas.microsoft.com/office/drawing/2014/main" id="{7927B403-6469-0886-43A8-58A558F1EEB8}"/>
+                <a16:creationId xmlns:a16="http://schemas.microsoft.com/office/drawing/2014/main" id="{9F3CF9C6-6679-76C3-4793-7D4907CC66CB}"/>
               </a:ext>
             </a:extLst>
           </p:cNvPr>
@@ -2699,7 +2699,7 @@
           <p:cNvPr id="7" name="灯片编号占位符 6">
             <a:extLst>
               <a:ext uri="{FF2B5EF4-FFF2-40B4-BE49-F238E27FC236}">
-                <a16:creationId xmlns:a16="http://schemas.microsoft.com/office/drawing/2014/main" id="{C524079F-4F15-4D45-8B71-5AB6C4CB7058}"/>
+                <a16:creationId xmlns:a16="http://schemas.microsoft.com/office/drawing/2014/main" id="{7FF6A84A-A7EE-1966-40E0-C48B5109D622}"/>
               </a:ext>
             </a:extLst>
           </p:cNvPr>
@@ -2715,7 +2715,7 @@
           <a:bodyPr/>
           <a:lstStyle/>
           <a:p>
-            <a:fld id="{23B05A00-CE1C-4B85-BA4B-C5CB115BB681}" type="slidenum">
+            <a:fld id="{8DDE2339-AEC7-47A2-9EA3-F652BA09265F}" type="slidenum">
               <a:rPr lang="zh-CN" altLang="en-US" smtClean="0"/>
               <a:t>‹#›</a:t>
             </a:fld>
@@ -2726,7 +2726,7 @@
     </p:spTree>
     <p:extLst>
       <p:ext uri="{BB962C8B-B14F-4D97-AF65-F5344CB8AC3E}">
-        <p14:creationId xmlns:p14="http://schemas.microsoft.com/office/powerpoint/2010/main" val="3320749436"/>
+        <p14:creationId xmlns:p14="http://schemas.microsoft.com/office/powerpoint/2010/main" val="2181454892"/>
       </p:ext>
     </p:extLst>
   </p:cSld>
@@ -2763,7 +2763,7 @@
           <p:cNvPr id="2" name="标题占位符 1">
             <a:extLst>
               <a:ext uri="{FF2B5EF4-FFF2-40B4-BE49-F238E27FC236}">
-                <a16:creationId xmlns:a16="http://schemas.microsoft.com/office/drawing/2014/main" id="{5829DA26-20B1-C81A-B79F-7BD91A613EA1}"/>
+                <a16:creationId xmlns:a16="http://schemas.microsoft.com/office/drawing/2014/main" id="{A99D31C6-2C3A-BCCE-ED89-C7AB0E592B3D}"/>
               </a:ext>
             </a:extLst>
           </p:cNvPr>
@@ -2801,7 +2801,7 @@
           <p:cNvPr id="3" name="文本占位符 2">
             <a:extLst>
               <a:ext uri="{FF2B5EF4-FFF2-40B4-BE49-F238E27FC236}">
-                <a16:creationId xmlns:a16="http://schemas.microsoft.com/office/drawing/2014/main" id="{D4F60BFE-A31D-9431-264F-99357DCA0F36}"/>
+                <a16:creationId xmlns:a16="http://schemas.microsoft.com/office/drawing/2014/main" id="{A861253E-9D15-D517-8954-D76825954761}"/>
               </a:ext>
             </a:extLst>
           </p:cNvPr>
@@ -2868,7 +2868,7 @@
           <p:cNvPr id="4" name="日期占位符 3">
             <a:extLst>
               <a:ext uri="{FF2B5EF4-FFF2-40B4-BE49-F238E27FC236}">
-                <a16:creationId xmlns:a16="http://schemas.microsoft.com/office/drawing/2014/main" id="{2BA284F4-E296-D5A0-7F96-3A9E908E82A6}"/>
+                <a16:creationId xmlns:a16="http://schemas.microsoft.com/office/drawing/2014/main" id="{D8BD76FE-54D5-725F-57A9-FE047A7761D9}"/>
               </a:ext>
             </a:extLst>
           </p:cNvPr>
@@ -2902,7 +2902,7 @@
             </a:lvl1pPr>
           </a:lstStyle>
           <a:p>
-            <a:fld id="{8D738A34-382A-4C3F-AF61-DCC5F84D96CA}" type="datetimeFigureOut">
+            <a:fld id="{9FC12441-1497-45C4-99F6-BFD409960617}" type="datetimeFigureOut">
               <a:rPr lang="zh-CN" altLang="en-US" smtClean="0"/>
               <a:t>2024/3/10</a:t>
             </a:fld>
@@ -2915,7 +2915,7 @@
           <p:cNvPr id="5" name="页脚占位符 4">
             <a:extLst>
               <a:ext uri="{FF2B5EF4-FFF2-40B4-BE49-F238E27FC236}">
-                <a16:creationId xmlns:a16="http://schemas.microsoft.com/office/drawing/2014/main" id="{2F2CE730-774F-97DE-2A03-49A8EEC935BD}"/>
+                <a16:creationId xmlns:a16="http://schemas.microsoft.com/office/drawing/2014/main" id="{36713813-6BCA-7473-F6FD-96F9B36014A1}"/>
               </a:ext>
             </a:extLst>
           </p:cNvPr>
@@ -2958,7 +2958,7 @@
           <p:cNvPr id="6" name="灯片编号占位符 5">
             <a:extLst>
               <a:ext uri="{FF2B5EF4-FFF2-40B4-BE49-F238E27FC236}">
-                <a16:creationId xmlns:a16="http://schemas.microsoft.com/office/drawing/2014/main" id="{A3E3A787-BBF2-5504-1BD4-F446F5F195B7}"/>
+                <a16:creationId xmlns:a16="http://schemas.microsoft.com/office/drawing/2014/main" id="{78969966-A81B-BC07-DCEA-88132B91884D}"/>
               </a:ext>
             </a:extLst>
           </p:cNvPr>
@@ -2992,7 +2992,7 @@
             </a:lvl1pPr>
           </a:lstStyle>
           <a:p>
-            <a:fld id="{23B05A00-CE1C-4B85-BA4B-C5CB115BB681}" type="slidenum">
+            <a:fld id="{8DDE2339-AEC7-47A2-9EA3-F652BA09265F}" type="slidenum">
               <a:rPr lang="zh-CN" altLang="en-US" smtClean="0"/>
               <a:t>‹#›</a:t>
             </a:fld>
@@ -3003,7 +3003,7 @@
     </p:spTree>
     <p:extLst>
       <p:ext uri="{BB962C8B-B14F-4D97-AF65-F5344CB8AC3E}">
-        <p14:creationId xmlns:p14="http://schemas.microsoft.com/office/powerpoint/2010/main" val="3731720493"/>
+        <p14:creationId xmlns:p14="http://schemas.microsoft.com/office/powerpoint/2010/main" val="3304736696"/>
       </p:ext>
     </p:extLst>
   </p:cSld>
@@ -3323,7 +3323,7 @@
       </p:grpSpPr>
       <p:pic>
         <p:nvPicPr>
-          <p:cNvPr id="237570" name="Picture 2" descr="231"/>
+          <p:cNvPr id="238594" name="Picture 2" descr="232"/>
           <p:cNvPicPr>
             <a:picLocks noChangeAspect="1" noChangeArrowheads="1"/>
           </p:cNvPicPr>
@@ -3375,11 +3375,158 @@
           </a:extLst>
         </p:spPr>
       </p:pic>
+      <p:pic>
+        <p:nvPicPr>
+          <p:cNvPr id="239619" name="Picture 3" descr="232-2"/>
+          <p:cNvPicPr>
+            <a:picLocks noChangeAspect="1" noChangeArrowheads="1"/>
+          </p:cNvPicPr>
+          <p:nvPr/>
+        </p:nvPicPr>
+        <p:blipFill>
+          <a:blip r:embed="rId3">
+            <a:extLst>
+              <a:ext uri="{28A0092B-C50C-407E-A947-70E740481C1C}">
+                <a14:useLocalDpi xmlns:a14="http://schemas.microsoft.com/office/drawing/2010/main" val="0"/>
+              </a:ext>
+            </a:extLst>
+          </a:blip>
+          <a:srcRect/>
+          <a:stretch>
+            <a:fillRect/>
+          </a:stretch>
+        </p:blipFill>
+        <p:spPr bwMode="auto">
+          <a:xfrm>
+            <a:off x="1560513" y="0"/>
+            <a:ext cx="9144000" cy="6858000"/>
+          </a:xfrm>
+          <a:prstGeom prst="rect">
+            <a:avLst/>
+          </a:prstGeom>
+          <a:noFill/>
+          <a:ln>
+            <a:noFill/>
+          </a:ln>
+          <a:effectLst/>
+          <a:extLst>
+            <a:ext uri="{909E8E84-426E-40DD-AFC4-6F175D3DCCD1}">
+              <a14:hiddenFill xmlns:a14="http://schemas.microsoft.com/office/drawing/2010/main">
+                <a:solidFill>
+                  <a:srgbClr val="FFFFFF"/>
+                </a:solidFill>
+              </a14:hiddenFill>
+            </a:ext>
+            <a:ext uri="{91240B29-F687-4F45-9708-019B960494DF}">
+              <a14:hiddenLine xmlns:a14="http://schemas.microsoft.com/office/drawing/2010/main" w="9525">
+                <a:solidFill>
+                  <a:srgbClr val="000000"/>
+                </a:solidFill>
+                <a:miter lim="800000"/>
+                <a:headEnd/>
+                <a:tailEnd/>
+              </a14:hiddenLine>
+            </a:ext>
+            <a:ext uri="{AF507438-7753-43E0-B8FC-AC1667EBCBE1}">
+              <a14:hiddenEffects xmlns:a14="http://schemas.microsoft.com/office/drawing/2010/main">
+                <a:effectLst>
+                  <a:outerShdw dist="35921" dir="2700000" algn="ctr" rotWithShape="0">
+                    <a:srgbClr val="808080"/>
+                  </a:outerShdw>
+                </a:effectLst>
+              </a14:hiddenEffects>
+            </a:ext>
+          </a:extLst>
+        </p:spPr>
+      </p:pic>
     </p:spTree>
   </p:cSld>
   <p:clrMapOvr>
     <a:masterClrMapping/>
   </p:clrMapOvr>
+  <p:timing>
+    <p:tnLst>
+      <p:par>
+        <p:cTn id="1" dur="indefinite" restart="never" nodeType="tmRoot">
+          <p:childTnLst>
+            <p:seq concurrent="1" nextAc="seek">
+              <p:cTn id="2" dur="indefinite" nodeType="mainSeq">
+                <p:childTnLst>
+                  <p:par>
+                    <p:cTn id="3" fill="hold" nodeType="clickPar">
+                      <p:stCondLst>
+                        <p:cond delay="indefinite"/>
+                      </p:stCondLst>
+                      <p:childTnLst>
+                        <p:par>
+                          <p:cTn id="4" fill="hold" nodeType="withGroup">
+                            <p:stCondLst>
+                              <p:cond delay="0"/>
+                            </p:stCondLst>
+                            <p:childTnLst>
+                              <p:par>
+                                <p:cTn id="5" presetID="10" presetClass="entr" presetSubtype="0" fill="hold" nodeType="clickEffect">
+                                  <p:stCondLst>
+                                    <p:cond delay="0"/>
+                                  </p:stCondLst>
+                                  <p:childTnLst>
+                                    <p:set>
+                                      <p:cBhvr>
+                                        <p:cTn id="6" dur="1" fill="hold">
+                                          <p:stCondLst>
+                                            <p:cond delay="0"/>
+                                          </p:stCondLst>
+                                        </p:cTn>
+                                        <p:tgtEl>
+                                          <p:spTgt spid="239619"/>
+                                        </p:tgtEl>
+                                        <p:attrNameLst>
+                                          <p:attrName>style.visibility</p:attrName>
+                                        </p:attrNameLst>
+                                      </p:cBhvr>
+                                      <p:to>
+                                        <p:strVal val="visible"/>
+                                      </p:to>
+                                    </p:set>
+                                    <p:animEffect transition="in" filter="fade">
+                                      <p:cBhvr>
+                                        <p:cTn id="7" dur="500"/>
+                                        <p:tgtEl>
+                                          <p:spTgt spid="239619"/>
+                                        </p:tgtEl>
+                                      </p:cBhvr>
+                                    </p:animEffect>
+                                  </p:childTnLst>
+                                </p:cTn>
+                              </p:par>
+                            </p:childTnLst>
+                          </p:cTn>
+                        </p:par>
+                      </p:childTnLst>
+                    </p:cTn>
+                  </p:par>
+                </p:childTnLst>
+              </p:cTn>
+              <p:prevCondLst>
+                <p:cond evt="onPrev" delay="0">
+                  <p:tgtEl>
+                    <p:sldTgt/>
+                  </p:tgtEl>
+                </p:cond>
+              </p:prevCondLst>
+              <p:nextCondLst>
+                <p:cond evt="onNext" delay="0">
+                  <p:tgtEl>
+                    <p:sldTgt/>
+                  </p:tgtEl>
+                </p:cond>
+              </p:nextCondLst>
+            </p:seq>
+          </p:childTnLst>
+        </p:cTn>
+      </p:par>
+    </p:tnLst>
+  </p:timing>
 </p:sld>
 </file>
 
